--- a/week-06/day-05/Demo/It's me, Geza.pptx
+++ b/week-06/day-05/Demo/It's me, Geza.pptx
@@ -5,10 +5,10 @@
     <p:sldMasterId id="2147483660" r:id="rId4"/>
   </p:sldMasterIdLst>
   <p:notesMasterIdLst>
-    <p:notesMasterId r:id="rId19"/>
+    <p:notesMasterId r:id="rId22"/>
   </p:notesMasterIdLst>
   <p:handoutMasterIdLst>
-    <p:handoutMasterId r:id="rId20"/>
+    <p:handoutMasterId r:id="rId23"/>
   </p:handoutMasterIdLst>
   <p:sldIdLst>
     <p:sldId id="256" r:id="rId5"/>
@@ -22,9 +22,12 @@
     <p:sldId id="281" r:id="rId13"/>
     <p:sldId id="282" r:id="rId14"/>
     <p:sldId id="283" r:id="rId15"/>
-    <p:sldId id="284" r:id="rId16"/>
-    <p:sldId id="262" r:id="rId17"/>
-    <p:sldId id="265" r:id="rId18"/>
+    <p:sldId id="285" r:id="rId16"/>
+    <p:sldId id="286" r:id="rId17"/>
+    <p:sldId id="287" r:id="rId18"/>
+    <p:sldId id="288" r:id="rId19"/>
+    <p:sldId id="262" r:id="rId20"/>
+    <p:sldId id="265" r:id="rId21"/>
   </p:sldIdLst>
   <p:sldSz cx="12192000" cy="6858000"/>
   <p:notesSz cx="6858000" cy="9144000"/>
@@ -670,6 +673,93 @@
     </a:lvl9pPr>
   </p:notesStyle>
 </p:notesMaster>
+</file>
+
+<file path=ppt/notesSlides/notesSlide1.xml><?xml version="1.0" encoding="utf-8"?>
+<p:notes xmlns:a="http://schemas.openxmlformats.org/drawingml/2006/main" xmlns:r="http://schemas.openxmlformats.org/officeDocument/2006/relationships" xmlns:p="http://schemas.openxmlformats.org/presentationml/2006/main">
+  <p:cSld>
+    <p:spTree>
+      <p:nvGrpSpPr>
+        <p:cNvPr id="1" name=""/>
+        <p:cNvGrpSpPr/>
+        <p:nvPr/>
+      </p:nvGrpSpPr>
+      <p:grpSpPr>
+        <a:xfrm>
+          <a:off x="0" y="0"/>
+          <a:ext cx="0" cy="0"/>
+          <a:chOff x="0" y="0"/>
+          <a:chExt cx="0" cy="0"/>
+        </a:xfrm>
+      </p:grpSpPr>
+      <p:sp>
+        <p:nvSpPr>
+          <p:cNvPr id="2" name="Slide Image Placeholder 1"/>
+          <p:cNvSpPr>
+            <a:spLocks noGrp="1" noRot="1" noChangeAspect="1"/>
+          </p:cNvSpPr>
+          <p:nvPr>
+            <p:ph type="sldImg"/>
+          </p:nvPr>
+        </p:nvSpPr>
+        <p:spPr/>
+      </p:sp>
+      <p:sp>
+        <p:nvSpPr>
+          <p:cNvPr id="3" name="Notes Placeholder 2"/>
+          <p:cNvSpPr>
+            <a:spLocks noGrp="1"/>
+          </p:cNvSpPr>
+          <p:nvPr>
+            <p:ph type="body" idx="1"/>
+          </p:nvPr>
+        </p:nvSpPr>
+        <p:spPr/>
+        <p:txBody>
+          <a:bodyPr/>
+          <a:lstStyle/>
+          <a:p>
+            <a:r>
+              <a:rPr lang="en-US" dirty="0"/>
+              <a:t>…so in other words: the monsters should trap the hero</a:t>
+            </a:r>
+          </a:p>
+        </p:txBody>
+      </p:sp>
+      <p:sp>
+        <p:nvSpPr>
+          <p:cNvPr id="4" name="Slide Number Placeholder 3"/>
+          <p:cNvSpPr>
+            <a:spLocks noGrp="1"/>
+          </p:cNvSpPr>
+          <p:nvPr>
+            <p:ph type="sldNum" sz="quarter" idx="5"/>
+          </p:nvPr>
+        </p:nvSpPr>
+        <p:spPr/>
+        <p:txBody>
+          <a:bodyPr/>
+          <a:lstStyle/>
+          <a:p>
+            <a:fld id="{998C672F-171E-46DC-915C-C7BCF99F5C42}" type="slidenum">
+              <a:rPr lang="en-US" smtClean="0"/>
+              <a:t>5</a:t>
+            </a:fld>
+            <a:endParaRPr lang="en-US" dirty="0"/>
+          </a:p>
+        </p:txBody>
+      </p:sp>
+    </p:spTree>
+    <p:extLst>
+      <p:ext uri="{BB962C8B-B14F-4D97-AF65-F5344CB8AC3E}">
+        <p14:creationId xmlns:p14="http://schemas.microsoft.com/office/powerpoint/2010/main" val="3421877547"/>
+      </p:ext>
+    </p:extLst>
+  </p:cSld>
+  <p:clrMapOvr>
+    <a:masterClrMapping/>
+  </p:clrMapOvr>
+</p:notes>
 </file>
 
 <file path=ppt/slideLayouts/slideLayout1.xml><?xml version="1.0" encoding="utf-8"?>
@@ -7607,13 +7697,13 @@
   <p:clrMapOvr>
     <a:masterClrMapping/>
   </p:clrMapOvr>
-  <mc:AlternateContent xmlns:mc="http://schemas.openxmlformats.org/markup-compatibility/2006">
-    <mc:Choice xmlns:p14="http://schemas.microsoft.com/office/powerpoint/2010/main" Requires="p14">
+  <mc:AlternateContent xmlns:mc="http://schemas.openxmlformats.org/markup-compatibility/2006" xmlns:p14="http://schemas.microsoft.com/office/powerpoint/2010/main">
+    <mc:Choice Requires="p14">
       <p:transition spd="med" p14:dur="700">
         <p:fade/>
       </p:transition>
     </mc:Choice>
-    <mc:Fallback>
+    <mc:Fallback xmlns="">
       <p:transition spd="med">
         <p:fade/>
       </p:transition>
@@ -8090,13 +8180,13 @@
   <p:clrMapOvr>
     <a:masterClrMapping/>
   </p:clrMapOvr>
-  <mc:AlternateContent xmlns:mc="http://schemas.openxmlformats.org/markup-compatibility/2006">
-    <mc:Choice xmlns:p14="http://schemas.microsoft.com/office/powerpoint/2010/main" Requires="p14">
+  <mc:AlternateContent xmlns:mc="http://schemas.openxmlformats.org/markup-compatibility/2006" xmlns:p14="http://schemas.microsoft.com/office/powerpoint/2010/main">
+    <mc:Choice Requires="p14">
       <p:transition spd="med" p14:dur="700">
         <p:fade/>
       </p:transition>
     </mc:Choice>
-    <mc:Fallback>
+    <mc:Fallback xmlns="">
       <p:transition spd="med">
         <p:fade/>
       </p:transition>
@@ -8456,8 +8546,8 @@
         </p:nvSpPr>
         <p:spPr>
           <a:xfrm>
-            <a:off x="7929718" y="2756747"/>
-            <a:ext cx="3800213" cy="1344506"/>
+            <a:off x="7919207" y="3016469"/>
+            <a:ext cx="3934437" cy="735724"/>
           </a:xfrm>
         </p:spPr>
         <p:txBody>
@@ -8468,28 +8558,7 @@
           <a:p>
             <a:r>
               <a:rPr lang="en-US" dirty="0"/>
-              <a:t>“Is there enemy”</a:t>
-            </a:r>
-            <a:br>
-              <a:rPr lang="en-US" dirty="0"/>
-            </a:br>
-            <a:r>
-              <a:rPr lang="en-US" dirty="0"/>
-              <a:t>function</a:t>
-            </a:r>
-            <a:br>
-              <a:rPr lang="en-US" dirty="0"/>
-            </a:br>
-            <a:r>
-              <a:rPr lang="en-US" dirty="0"/>
-              <a:t>with added</a:t>
-            </a:r>
-            <a:br>
-              <a:rPr lang="en-US" dirty="0"/>
-            </a:br>
-            <a:r>
-              <a:rPr lang="en-US" dirty="0"/>
-              <a:t>break</a:t>
+              <a:t>When the hero is on an empty space</a:t>
             </a:r>
           </a:p>
         </p:txBody>
@@ -8499,7 +8568,7 @@
           <p:cNvPr id="4" name="Picture 3">
             <a:extLst>
               <a:ext uri="{FF2B5EF4-FFF2-40B4-BE49-F238E27FC236}">
-                <a16:creationId xmlns:a16="http://schemas.microsoft.com/office/drawing/2014/main" id="{0C7B0B0B-8862-4229-A62A-58A46C813C9A}"/>
+                <a16:creationId xmlns:a16="http://schemas.microsoft.com/office/drawing/2014/main" id="{8CE1283A-5AA3-4883-A1D0-E8E711A18C3E}"/>
               </a:ext>
             </a:extLst>
           </p:cNvPr>
@@ -8522,36 +8591,35 @@
         </p:blipFill>
         <p:spPr>
           <a:xfrm>
-            <a:off x="665553" y="2054673"/>
-            <a:ext cx="6215321" cy="2748653"/>
+            <a:off x="405468" y="677411"/>
+            <a:ext cx="6678380" cy="5647888"/>
           </a:xfrm>
           <a:prstGeom prst="rect">
             <a:avLst/>
           </a:prstGeom>
         </p:spPr>
       </p:pic>
-      <p:cxnSp>
-        <p:nvCxnSpPr>
-          <p:cNvPr id="15" name="Straight Connector 14">
+      <p:sp>
+        <p:nvSpPr>
+          <p:cNvPr id="5" name="Rectangle 4">
             <a:extLst>
               <a:ext uri="{FF2B5EF4-FFF2-40B4-BE49-F238E27FC236}">
-                <a16:creationId xmlns:a16="http://schemas.microsoft.com/office/drawing/2014/main" id="{554E73B0-6BF8-4B98-ACA9-2949F0111EB7}"/>
+                <a16:creationId xmlns:a16="http://schemas.microsoft.com/office/drawing/2014/main" id="{5F505958-DF89-402D-B5A2-906EAD691DE8}"/>
               </a:ext>
             </a:extLst>
           </p:cNvPr>
-          <p:cNvCxnSpPr>
-            <a:cxnSpLocks/>
-          </p:cNvCxnSpPr>
+          <p:cNvSpPr/>
           <p:nvPr/>
-        </p:nvCxnSpPr>
+        </p:nvSpPr>
         <p:spPr>
           <a:xfrm>
-            <a:off x="2020193" y="3372832"/>
-            <a:ext cx="575862" cy="0"/>
+            <a:off x="5450541" y="2653553"/>
+            <a:ext cx="1353671" cy="654423"/>
           </a:xfrm>
-          <a:prstGeom prst="line">
+          <a:prstGeom prst="rect">
             <a:avLst/>
           </a:prstGeom>
+          <a:noFill/>
           <a:ln w="19050">
             <a:solidFill>
               <a:srgbClr val="FF0000"/>
@@ -8560,23 +8628,33 @@
         </p:spPr>
         <p:style>
           <a:lnRef idx="2">
-            <a:schemeClr val="accent5"/>
+            <a:schemeClr val="accent1">
+              <a:shade val="50000"/>
+            </a:schemeClr>
           </a:lnRef>
-          <a:fillRef idx="0">
-            <a:schemeClr val="accent5"/>
+          <a:fillRef idx="1">
+            <a:schemeClr val="accent1"/>
           </a:fillRef>
-          <a:effectRef idx="1">
-            <a:schemeClr val="accent5"/>
+          <a:effectRef idx="0">
+            <a:schemeClr val="accent1"/>
           </a:effectRef>
           <a:fontRef idx="minor">
-            <a:schemeClr val="tx1"/>
+            <a:schemeClr val="lt1"/>
           </a:fontRef>
         </p:style>
-      </p:cxnSp>
+        <p:txBody>
+          <a:bodyPr rtlCol="0" anchor="ctr"/>
+          <a:lstStyle/>
+          <a:p>
+            <a:pPr algn="ctr"/>
+            <a:endParaRPr lang="en-US"/>
+          </a:p>
+        </p:txBody>
+      </p:sp>
     </p:spTree>
     <p:extLst>
       <p:ext uri="{BB962C8B-B14F-4D97-AF65-F5344CB8AC3E}">
-        <p14:creationId xmlns:p14="http://schemas.microsoft.com/office/powerpoint/2010/main" val="2692582835"/>
+        <p14:creationId xmlns:p14="http://schemas.microsoft.com/office/powerpoint/2010/main" val="1415055402"/>
       </p:ext>
     </p:extLst>
   </p:cSld>
@@ -8669,7 +8747,7 @@
                             </p:stCondLst>
                             <p:childTnLst>
                               <p:par>
-                                <p:cTn id="10" presetID="10" presetClass="entr" presetSubtype="0" fill="hold" nodeType="clickEffect">
+                                <p:cTn id="10" presetID="10" presetClass="entr" presetSubtype="0" fill="hold" grpId="0" nodeType="clickEffect">
                                   <p:stCondLst>
                                     <p:cond delay="0"/>
                                   </p:stCondLst>
@@ -8682,7 +8760,7 @@
                                           </p:stCondLst>
                                         </p:cTn>
                                         <p:tgtEl>
-                                          <p:spTgt spid="15"/>
+                                          <p:spTgt spid="5"/>
                                         </p:tgtEl>
                                         <p:attrNameLst>
                                           <p:attrName>style.visibility</p:attrName>
@@ -8696,7 +8774,7 @@
                                       <p:cBhvr>
                                         <p:cTn id="12" dur="500"/>
                                         <p:tgtEl>
-                                          <p:spTgt spid="15"/>
+                                          <p:spTgt spid="5"/>
                                         </p:tgtEl>
                                       </p:cBhvr>
                                     </p:animEffect>
@@ -8730,11 +8808,1298 @@
         </p:cTn>
       </p:par>
     </p:tnLst>
+    <p:bldLst>
+      <p:bldP spid="5" grpId="0" animBg="1"/>
+    </p:bldLst>
   </p:timing>
 </p:sld>
 </file>
 
 <file path=ppt/slides/slide13.xml><?xml version="1.0" encoding="utf-8"?>
+<p:sld xmlns:a="http://schemas.openxmlformats.org/drawingml/2006/main" xmlns:r="http://schemas.openxmlformats.org/officeDocument/2006/relationships" xmlns:p="http://schemas.openxmlformats.org/presentationml/2006/main">
+  <p:cSld>
+    <p:spTree>
+      <p:nvGrpSpPr>
+        <p:cNvPr id="1" name=""/>
+        <p:cNvGrpSpPr/>
+        <p:nvPr/>
+      </p:nvGrpSpPr>
+      <p:grpSpPr>
+        <a:xfrm>
+          <a:off x="0" y="0"/>
+          <a:ext cx="0" cy="0"/>
+          <a:chOff x="0" y="0"/>
+          <a:chExt cx="0" cy="0"/>
+        </a:xfrm>
+      </p:grpSpPr>
+      <p:sp>
+        <p:nvSpPr>
+          <p:cNvPr id="2" name="Title 1">
+            <a:extLst>
+              <a:ext uri="{FF2B5EF4-FFF2-40B4-BE49-F238E27FC236}">
+                <a16:creationId xmlns:a16="http://schemas.microsoft.com/office/drawing/2014/main" id="{B5B319E6-B55A-4500-930B-3D8DF16BDDA6}"/>
+              </a:ext>
+            </a:extLst>
+          </p:cNvPr>
+          <p:cNvSpPr>
+            <a:spLocks noGrp="1"/>
+          </p:cNvSpPr>
+          <p:nvPr>
+            <p:ph type="title"/>
+          </p:nvPr>
+        </p:nvSpPr>
+        <p:spPr>
+          <a:xfrm>
+            <a:off x="7919207" y="3016469"/>
+            <a:ext cx="3934437" cy="903890"/>
+          </a:xfrm>
+        </p:spPr>
+        <p:txBody>
+          <a:bodyPr>
+            <a:normAutofit fontScale="90000"/>
+          </a:bodyPr>
+          <a:lstStyle/>
+          <a:p>
+            <a:r>
+              <a:rPr lang="en-US" dirty="0"/>
+              <a:t>When the hero is on an enemy, that doesn’t trap the hero</a:t>
+            </a:r>
+          </a:p>
+        </p:txBody>
+      </p:sp>
+      <p:pic>
+        <p:nvPicPr>
+          <p:cNvPr id="6" name="Picture 5">
+            <a:extLst>
+              <a:ext uri="{FF2B5EF4-FFF2-40B4-BE49-F238E27FC236}">
+                <a16:creationId xmlns:a16="http://schemas.microsoft.com/office/drawing/2014/main" id="{71D3714E-3696-4D6D-87BB-8C9DE1D91031}"/>
+              </a:ext>
+            </a:extLst>
+          </p:cNvPr>
+          <p:cNvPicPr>
+            <a:picLocks noChangeAspect="1"/>
+          </p:cNvPicPr>
+          <p:nvPr/>
+        </p:nvPicPr>
+        <p:blipFill>
+          <a:blip r:embed="rId2">
+            <a:extLst>
+              <a:ext uri="{28A0092B-C50C-407E-A947-70E740481C1C}">
+                <a14:useLocalDpi xmlns:a14="http://schemas.microsoft.com/office/drawing/2010/main" val="0"/>
+              </a:ext>
+            </a:extLst>
+          </a:blip>
+          <a:stretch>
+            <a:fillRect/>
+          </a:stretch>
+        </p:blipFill>
+        <p:spPr>
+          <a:xfrm>
+            <a:off x="456791" y="680389"/>
+            <a:ext cx="6644798" cy="5541735"/>
+          </a:xfrm>
+          <a:prstGeom prst="rect">
+            <a:avLst/>
+          </a:prstGeom>
+        </p:spPr>
+      </p:pic>
+      <p:cxnSp>
+        <p:nvCxnSpPr>
+          <p:cNvPr id="8" name="Straight Connector 7">
+            <a:extLst>
+              <a:ext uri="{FF2B5EF4-FFF2-40B4-BE49-F238E27FC236}">
+                <a16:creationId xmlns:a16="http://schemas.microsoft.com/office/drawing/2014/main" id="{6B7C8C47-A61D-4D87-BD07-39EDAFFCE155}"/>
+              </a:ext>
+            </a:extLst>
+          </p:cNvPr>
+          <p:cNvCxnSpPr/>
+          <p:nvPr/>
+        </p:nvCxnSpPr>
+        <p:spPr>
+          <a:xfrm>
+            <a:off x="5473700" y="2755900"/>
+            <a:ext cx="1333500" cy="0"/>
+          </a:xfrm>
+          <a:prstGeom prst="line">
+            <a:avLst/>
+          </a:prstGeom>
+          <a:ln w="19050">
+            <a:solidFill>
+              <a:srgbClr val="FF0000"/>
+            </a:solidFill>
+          </a:ln>
+        </p:spPr>
+        <p:style>
+          <a:lnRef idx="1">
+            <a:schemeClr val="accent1"/>
+          </a:lnRef>
+          <a:fillRef idx="0">
+            <a:schemeClr val="accent1"/>
+          </a:fillRef>
+          <a:effectRef idx="0">
+            <a:schemeClr val="accent1"/>
+          </a:effectRef>
+          <a:fontRef idx="minor">
+            <a:schemeClr val="tx1"/>
+          </a:fontRef>
+        </p:style>
+      </p:cxnSp>
+      <p:sp>
+        <p:nvSpPr>
+          <p:cNvPr id="9" name="Rectangle 8">
+            <a:extLst>
+              <a:ext uri="{FF2B5EF4-FFF2-40B4-BE49-F238E27FC236}">
+                <a16:creationId xmlns:a16="http://schemas.microsoft.com/office/drawing/2014/main" id="{F5894523-65CE-48A6-ADC0-8DBD0F380873}"/>
+              </a:ext>
+            </a:extLst>
+          </p:cNvPr>
+          <p:cNvSpPr/>
+          <p:nvPr/>
+        </p:nvSpPr>
+        <p:spPr>
+          <a:xfrm>
+            <a:off x="5473700" y="2800350"/>
+            <a:ext cx="1333500" cy="476250"/>
+          </a:xfrm>
+          <a:prstGeom prst="rect">
+            <a:avLst/>
+          </a:prstGeom>
+          <a:noFill/>
+          <a:ln w="19050">
+            <a:solidFill>
+              <a:srgbClr val="FF0000"/>
+            </a:solidFill>
+          </a:ln>
+        </p:spPr>
+        <p:style>
+          <a:lnRef idx="2">
+            <a:schemeClr val="accent1">
+              <a:shade val="50000"/>
+            </a:schemeClr>
+          </a:lnRef>
+          <a:fillRef idx="1">
+            <a:schemeClr val="accent1"/>
+          </a:fillRef>
+          <a:effectRef idx="0">
+            <a:schemeClr val="accent1"/>
+          </a:effectRef>
+          <a:fontRef idx="minor">
+            <a:schemeClr val="lt1"/>
+          </a:fontRef>
+        </p:style>
+        <p:txBody>
+          <a:bodyPr rtlCol="0" anchor="ctr"/>
+          <a:lstStyle/>
+          <a:p>
+            <a:pPr algn="ctr"/>
+            <a:endParaRPr lang="en-US"/>
+          </a:p>
+        </p:txBody>
+      </p:sp>
+    </p:spTree>
+    <p:extLst>
+      <p:ext uri="{BB962C8B-B14F-4D97-AF65-F5344CB8AC3E}">
+        <p14:creationId xmlns:p14="http://schemas.microsoft.com/office/powerpoint/2010/main" val="2043182115"/>
+      </p:ext>
+    </p:extLst>
+  </p:cSld>
+  <p:clrMapOvr>
+    <a:masterClrMapping/>
+  </p:clrMapOvr>
+  <mc:AlternateContent xmlns:mc="http://schemas.openxmlformats.org/markup-compatibility/2006">
+    <mc:Choice xmlns:p14="http://schemas.microsoft.com/office/powerpoint/2010/main" Requires="p14">
+      <p:transition spd="med" p14:dur="700">
+        <p:fade/>
+      </p:transition>
+    </mc:Choice>
+    <mc:Fallback>
+      <p:transition spd="med">
+        <p:fade/>
+      </p:transition>
+    </mc:Fallback>
+  </mc:AlternateContent>
+  <p:timing>
+    <p:tnLst>
+      <p:par>
+        <p:cTn id="1" dur="indefinite" restart="never" nodeType="tmRoot">
+          <p:childTnLst>
+            <p:seq concurrent="1" nextAc="seek">
+              <p:cTn id="2" dur="indefinite" nodeType="mainSeq">
+                <p:childTnLst>
+                  <p:par>
+                    <p:cTn id="3" fill="hold">
+                      <p:stCondLst>
+                        <p:cond delay="indefinite"/>
+                      </p:stCondLst>
+                      <p:childTnLst>
+                        <p:par>
+                          <p:cTn id="4" fill="hold">
+                            <p:stCondLst>
+                              <p:cond delay="0"/>
+                            </p:stCondLst>
+                            <p:childTnLst>
+                              <p:par>
+                                <p:cTn id="5" presetID="10" presetClass="entr" presetSubtype="0" fill="hold" nodeType="clickEffect">
+                                  <p:stCondLst>
+                                    <p:cond delay="0"/>
+                                  </p:stCondLst>
+                                  <p:childTnLst>
+                                    <p:set>
+                                      <p:cBhvr>
+                                        <p:cTn id="6" dur="1" fill="hold">
+                                          <p:stCondLst>
+                                            <p:cond delay="0"/>
+                                          </p:stCondLst>
+                                        </p:cTn>
+                                        <p:tgtEl>
+                                          <p:spTgt spid="6"/>
+                                        </p:tgtEl>
+                                        <p:attrNameLst>
+                                          <p:attrName>style.visibility</p:attrName>
+                                        </p:attrNameLst>
+                                      </p:cBhvr>
+                                      <p:to>
+                                        <p:strVal val="visible"/>
+                                      </p:to>
+                                    </p:set>
+                                    <p:animEffect transition="in" filter="fade">
+                                      <p:cBhvr>
+                                        <p:cTn id="7" dur="500"/>
+                                        <p:tgtEl>
+                                          <p:spTgt spid="6"/>
+                                        </p:tgtEl>
+                                      </p:cBhvr>
+                                    </p:animEffect>
+                                  </p:childTnLst>
+                                </p:cTn>
+                              </p:par>
+                            </p:childTnLst>
+                          </p:cTn>
+                        </p:par>
+                      </p:childTnLst>
+                    </p:cTn>
+                  </p:par>
+                  <p:par>
+                    <p:cTn id="8" fill="hold">
+                      <p:stCondLst>
+                        <p:cond delay="indefinite"/>
+                      </p:stCondLst>
+                      <p:childTnLst>
+                        <p:par>
+                          <p:cTn id="9" fill="hold">
+                            <p:stCondLst>
+                              <p:cond delay="0"/>
+                            </p:stCondLst>
+                            <p:childTnLst>
+                              <p:par>
+                                <p:cTn id="10" presetID="10" presetClass="entr" presetSubtype="0" fill="hold" nodeType="clickEffect">
+                                  <p:stCondLst>
+                                    <p:cond delay="0"/>
+                                  </p:stCondLst>
+                                  <p:childTnLst>
+                                    <p:set>
+                                      <p:cBhvr>
+                                        <p:cTn id="11" dur="1" fill="hold">
+                                          <p:stCondLst>
+                                            <p:cond delay="0"/>
+                                          </p:stCondLst>
+                                        </p:cTn>
+                                        <p:tgtEl>
+                                          <p:spTgt spid="8"/>
+                                        </p:tgtEl>
+                                        <p:attrNameLst>
+                                          <p:attrName>style.visibility</p:attrName>
+                                        </p:attrNameLst>
+                                      </p:cBhvr>
+                                      <p:to>
+                                        <p:strVal val="visible"/>
+                                      </p:to>
+                                    </p:set>
+                                    <p:animEffect transition="in" filter="fade">
+                                      <p:cBhvr>
+                                        <p:cTn id="12" dur="500"/>
+                                        <p:tgtEl>
+                                          <p:spTgt spid="8"/>
+                                        </p:tgtEl>
+                                      </p:cBhvr>
+                                    </p:animEffect>
+                                  </p:childTnLst>
+                                </p:cTn>
+                              </p:par>
+                            </p:childTnLst>
+                          </p:cTn>
+                        </p:par>
+                      </p:childTnLst>
+                    </p:cTn>
+                  </p:par>
+                  <p:par>
+                    <p:cTn id="13" fill="hold">
+                      <p:stCondLst>
+                        <p:cond delay="indefinite"/>
+                      </p:stCondLst>
+                      <p:childTnLst>
+                        <p:par>
+                          <p:cTn id="14" fill="hold">
+                            <p:stCondLst>
+                              <p:cond delay="0"/>
+                            </p:stCondLst>
+                            <p:childTnLst>
+                              <p:par>
+                                <p:cTn id="15" presetID="10" presetClass="entr" presetSubtype="0" fill="hold" grpId="0" nodeType="clickEffect">
+                                  <p:stCondLst>
+                                    <p:cond delay="0"/>
+                                  </p:stCondLst>
+                                  <p:childTnLst>
+                                    <p:set>
+                                      <p:cBhvr>
+                                        <p:cTn id="16" dur="1" fill="hold">
+                                          <p:stCondLst>
+                                            <p:cond delay="0"/>
+                                          </p:stCondLst>
+                                        </p:cTn>
+                                        <p:tgtEl>
+                                          <p:spTgt spid="9"/>
+                                        </p:tgtEl>
+                                        <p:attrNameLst>
+                                          <p:attrName>style.visibility</p:attrName>
+                                        </p:attrNameLst>
+                                      </p:cBhvr>
+                                      <p:to>
+                                        <p:strVal val="visible"/>
+                                      </p:to>
+                                    </p:set>
+                                    <p:animEffect transition="in" filter="fade">
+                                      <p:cBhvr>
+                                        <p:cTn id="17" dur="500"/>
+                                        <p:tgtEl>
+                                          <p:spTgt spid="9"/>
+                                        </p:tgtEl>
+                                      </p:cBhvr>
+                                    </p:animEffect>
+                                  </p:childTnLst>
+                                </p:cTn>
+                              </p:par>
+                            </p:childTnLst>
+                          </p:cTn>
+                        </p:par>
+                      </p:childTnLst>
+                    </p:cTn>
+                  </p:par>
+                </p:childTnLst>
+              </p:cTn>
+              <p:prevCondLst>
+                <p:cond evt="onPrev" delay="0">
+                  <p:tgtEl>
+                    <p:sldTgt/>
+                  </p:tgtEl>
+                </p:cond>
+              </p:prevCondLst>
+              <p:nextCondLst>
+                <p:cond evt="onNext" delay="0">
+                  <p:tgtEl>
+                    <p:sldTgt/>
+                  </p:tgtEl>
+                </p:cond>
+              </p:nextCondLst>
+            </p:seq>
+          </p:childTnLst>
+        </p:cTn>
+      </p:par>
+    </p:tnLst>
+    <p:bldLst>
+      <p:bldP spid="9" grpId="0" animBg="1"/>
+    </p:bldLst>
+  </p:timing>
+</p:sld>
+</file>
+
+<file path=ppt/slides/slide14.xml><?xml version="1.0" encoding="utf-8"?>
+<p:sld xmlns:a="http://schemas.openxmlformats.org/drawingml/2006/main" xmlns:r="http://schemas.openxmlformats.org/officeDocument/2006/relationships" xmlns:p="http://schemas.openxmlformats.org/presentationml/2006/main">
+  <p:cSld>
+    <p:spTree>
+      <p:nvGrpSpPr>
+        <p:cNvPr id="1" name=""/>
+        <p:cNvGrpSpPr/>
+        <p:nvPr/>
+      </p:nvGrpSpPr>
+      <p:grpSpPr>
+        <a:xfrm>
+          <a:off x="0" y="0"/>
+          <a:ext cx="0" cy="0"/>
+          <a:chOff x="0" y="0"/>
+          <a:chExt cx="0" cy="0"/>
+        </a:xfrm>
+      </p:grpSpPr>
+      <p:sp>
+        <p:nvSpPr>
+          <p:cNvPr id="2" name="Title 1">
+            <a:extLst>
+              <a:ext uri="{FF2B5EF4-FFF2-40B4-BE49-F238E27FC236}">
+                <a16:creationId xmlns:a16="http://schemas.microsoft.com/office/drawing/2014/main" id="{B5B319E6-B55A-4500-930B-3D8DF16BDDA6}"/>
+              </a:ext>
+            </a:extLst>
+          </p:cNvPr>
+          <p:cNvSpPr>
+            <a:spLocks noGrp="1"/>
+          </p:cNvSpPr>
+          <p:nvPr>
+            <p:ph type="title"/>
+          </p:nvPr>
+        </p:nvSpPr>
+        <p:spPr>
+          <a:xfrm>
+            <a:off x="7919207" y="3016469"/>
+            <a:ext cx="3934437" cy="903890"/>
+          </a:xfrm>
+        </p:spPr>
+        <p:txBody>
+          <a:bodyPr>
+            <a:normAutofit fontScale="90000"/>
+          </a:bodyPr>
+          <a:lstStyle/>
+          <a:p>
+            <a:r>
+              <a:rPr lang="en-US" dirty="0"/>
+              <a:t>When the hero is on an enemy, that traps the hero</a:t>
+            </a:r>
+          </a:p>
+        </p:txBody>
+      </p:sp>
+      <p:pic>
+        <p:nvPicPr>
+          <p:cNvPr id="4" name="Picture 3">
+            <a:extLst>
+              <a:ext uri="{FF2B5EF4-FFF2-40B4-BE49-F238E27FC236}">
+                <a16:creationId xmlns:a16="http://schemas.microsoft.com/office/drawing/2014/main" id="{33C20EEC-2CD2-44BE-8EEE-EF7248E651BC}"/>
+              </a:ext>
+            </a:extLst>
+          </p:cNvPr>
+          <p:cNvPicPr>
+            <a:picLocks noChangeAspect="1"/>
+          </p:cNvPicPr>
+          <p:nvPr/>
+        </p:nvPicPr>
+        <p:blipFill>
+          <a:blip r:embed="rId2">
+            <a:extLst>
+              <a:ext uri="{28A0092B-C50C-407E-A947-70E740481C1C}">
+                <a14:useLocalDpi xmlns:a14="http://schemas.microsoft.com/office/drawing/2010/main" val="0"/>
+              </a:ext>
+            </a:extLst>
+          </a:blip>
+          <a:stretch>
+            <a:fillRect/>
+          </a:stretch>
+        </p:blipFill>
+        <p:spPr>
+          <a:xfrm>
+            <a:off x="477740" y="680389"/>
+            <a:ext cx="6623849" cy="5541735"/>
+          </a:xfrm>
+          <a:prstGeom prst="rect">
+            <a:avLst/>
+          </a:prstGeom>
+        </p:spPr>
+      </p:pic>
+      <p:cxnSp>
+        <p:nvCxnSpPr>
+          <p:cNvPr id="8" name="Straight Connector 7">
+            <a:extLst>
+              <a:ext uri="{FF2B5EF4-FFF2-40B4-BE49-F238E27FC236}">
+                <a16:creationId xmlns:a16="http://schemas.microsoft.com/office/drawing/2014/main" id="{6B7C8C47-A61D-4D87-BD07-39EDAFFCE155}"/>
+              </a:ext>
+            </a:extLst>
+          </p:cNvPr>
+          <p:cNvCxnSpPr/>
+          <p:nvPr/>
+        </p:nvCxnSpPr>
+        <p:spPr>
+          <a:xfrm>
+            <a:off x="5454650" y="3920359"/>
+            <a:ext cx="1333500" cy="0"/>
+          </a:xfrm>
+          <a:prstGeom prst="line">
+            <a:avLst/>
+          </a:prstGeom>
+          <a:ln w="19050">
+            <a:solidFill>
+              <a:srgbClr val="FF0000"/>
+            </a:solidFill>
+          </a:ln>
+        </p:spPr>
+        <p:style>
+          <a:lnRef idx="1">
+            <a:schemeClr val="accent1"/>
+          </a:lnRef>
+          <a:fillRef idx="0">
+            <a:schemeClr val="accent1"/>
+          </a:fillRef>
+          <a:effectRef idx="0">
+            <a:schemeClr val="accent1"/>
+          </a:effectRef>
+          <a:fontRef idx="minor">
+            <a:schemeClr val="tx1"/>
+          </a:fontRef>
+        </p:style>
+      </p:cxnSp>
+      <p:sp>
+        <p:nvSpPr>
+          <p:cNvPr id="9" name="Rectangle 8">
+            <a:extLst>
+              <a:ext uri="{FF2B5EF4-FFF2-40B4-BE49-F238E27FC236}">
+                <a16:creationId xmlns:a16="http://schemas.microsoft.com/office/drawing/2014/main" id="{F5894523-65CE-48A6-ADC0-8DBD0F380873}"/>
+              </a:ext>
+            </a:extLst>
+          </p:cNvPr>
+          <p:cNvSpPr/>
+          <p:nvPr/>
+        </p:nvSpPr>
+        <p:spPr>
+          <a:xfrm>
+            <a:off x="5454650" y="3287596"/>
+            <a:ext cx="1333500" cy="522404"/>
+          </a:xfrm>
+          <a:prstGeom prst="rect">
+            <a:avLst/>
+          </a:prstGeom>
+          <a:noFill/>
+          <a:ln w="19050">
+            <a:solidFill>
+              <a:srgbClr val="FF0000"/>
+            </a:solidFill>
+          </a:ln>
+        </p:spPr>
+        <p:style>
+          <a:lnRef idx="2">
+            <a:schemeClr val="accent1">
+              <a:shade val="50000"/>
+            </a:schemeClr>
+          </a:lnRef>
+          <a:fillRef idx="1">
+            <a:schemeClr val="accent1"/>
+          </a:fillRef>
+          <a:effectRef idx="0">
+            <a:schemeClr val="accent1"/>
+          </a:effectRef>
+          <a:fontRef idx="minor">
+            <a:schemeClr val="lt1"/>
+          </a:fontRef>
+        </p:style>
+        <p:txBody>
+          <a:bodyPr rtlCol="0" anchor="ctr"/>
+          <a:lstStyle/>
+          <a:p>
+            <a:pPr algn="ctr"/>
+            <a:endParaRPr lang="en-US"/>
+          </a:p>
+        </p:txBody>
+      </p:sp>
+    </p:spTree>
+    <p:extLst>
+      <p:ext uri="{BB962C8B-B14F-4D97-AF65-F5344CB8AC3E}">
+        <p14:creationId xmlns:p14="http://schemas.microsoft.com/office/powerpoint/2010/main" val="479201090"/>
+      </p:ext>
+    </p:extLst>
+  </p:cSld>
+  <p:clrMapOvr>
+    <a:masterClrMapping/>
+  </p:clrMapOvr>
+  <mc:AlternateContent xmlns:mc="http://schemas.openxmlformats.org/markup-compatibility/2006">
+    <mc:Choice xmlns:p14="http://schemas.microsoft.com/office/powerpoint/2010/main" Requires="p14">
+      <p:transition spd="med" p14:dur="700">
+        <p:fade/>
+      </p:transition>
+    </mc:Choice>
+    <mc:Fallback>
+      <p:transition spd="med">
+        <p:fade/>
+      </p:transition>
+    </mc:Fallback>
+  </mc:AlternateContent>
+  <p:timing>
+    <p:tnLst>
+      <p:par>
+        <p:cTn id="1" dur="indefinite" restart="never" nodeType="tmRoot">
+          <p:childTnLst>
+            <p:seq concurrent="1" nextAc="seek">
+              <p:cTn id="2" dur="indefinite" nodeType="mainSeq">
+                <p:childTnLst>
+                  <p:par>
+                    <p:cTn id="3" fill="hold">
+                      <p:stCondLst>
+                        <p:cond delay="indefinite"/>
+                      </p:stCondLst>
+                      <p:childTnLst>
+                        <p:par>
+                          <p:cTn id="4" fill="hold">
+                            <p:stCondLst>
+                              <p:cond delay="0"/>
+                            </p:stCondLst>
+                            <p:childTnLst>
+                              <p:par>
+                                <p:cTn id="5" presetID="10" presetClass="entr" presetSubtype="0" fill="hold" grpId="0" nodeType="clickEffect">
+                                  <p:stCondLst>
+                                    <p:cond delay="0"/>
+                                  </p:stCondLst>
+                                  <p:childTnLst>
+                                    <p:set>
+                                      <p:cBhvr>
+                                        <p:cTn id="6" dur="1" fill="hold">
+                                          <p:stCondLst>
+                                            <p:cond delay="0"/>
+                                          </p:stCondLst>
+                                        </p:cTn>
+                                        <p:tgtEl>
+                                          <p:spTgt spid="9"/>
+                                        </p:tgtEl>
+                                        <p:attrNameLst>
+                                          <p:attrName>style.visibility</p:attrName>
+                                        </p:attrNameLst>
+                                      </p:cBhvr>
+                                      <p:to>
+                                        <p:strVal val="visible"/>
+                                      </p:to>
+                                    </p:set>
+                                    <p:animEffect transition="in" filter="fade">
+                                      <p:cBhvr>
+                                        <p:cTn id="7" dur="500"/>
+                                        <p:tgtEl>
+                                          <p:spTgt spid="9"/>
+                                        </p:tgtEl>
+                                      </p:cBhvr>
+                                    </p:animEffect>
+                                  </p:childTnLst>
+                                </p:cTn>
+                              </p:par>
+                            </p:childTnLst>
+                          </p:cTn>
+                        </p:par>
+                      </p:childTnLst>
+                    </p:cTn>
+                  </p:par>
+                  <p:par>
+                    <p:cTn id="8" fill="hold">
+                      <p:stCondLst>
+                        <p:cond delay="indefinite"/>
+                      </p:stCondLst>
+                      <p:childTnLst>
+                        <p:par>
+                          <p:cTn id="9" fill="hold">
+                            <p:stCondLst>
+                              <p:cond delay="0"/>
+                            </p:stCondLst>
+                            <p:childTnLst>
+                              <p:par>
+                                <p:cTn id="10" presetID="10" presetClass="entr" presetSubtype="0" fill="hold" nodeType="clickEffect">
+                                  <p:stCondLst>
+                                    <p:cond delay="0"/>
+                                  </p:stCondLst>
+                                  <p:childTnLst>
+                                    <p:set>
+                                      <p:cBhvr>
+                                        <p:cTn id="11" dur="1" fill="hold">
+                                          <p:stCondLst>
+                                            <p:cond delay="0"/>
+                                          </p:stCondLst>
+                                        </p:cTn>
+                                        <p:tgtEl>
+                                          <p:spTgt spid="8"/>
+                                        </p:tgtEl>
+                                        <p:attrNameLst>
+                                          <p:attrName>style.visibility</p:attrName>
+                                        </p:attrNameLst>
+                                      </p:cBhvr>
+                                      <p:to>
+                                        <p:strVal val="visible"/>
+                                      </p:to>
+                                    </p:set>
+                                    <p:animEffect transition="in" filter="fade">
+                                      <p:cBhvr>
+                                        <p:cTn id="12" dur="500"/>
+                                        <p:tgtEl>
+                                          <p:spTgt spid="8"/>
+                                        </p:tgtEl>
+                                      </p:cBhvr>
+                                    </p:animEffect>
+                                  </p:childTnLst>
+                                </p:cTn>
+                              </p:par>
+                            </p:childTnLst>
+                          </p:cTn>
+                        </p:par>
+                      </p:childTnLst>
+                    </p:cTn>
+                  </p:par>
+                </p:childTnLst>
+              </p:cTn>
+              <p:prevCondLst>
+                <p:cond evt="onPrev" delay="0">
+                  <p:tgtEl>
+                    <p:sldTgt/>
+                  </p:tgtEl>
+                </p:cond>
+              </p:prevCondLst>
+              <p:nextCondLst>
+                <p:cond evt="onNext" delay="0">
+                  <p:tgtEl>
+                    <p:sldTgt/>
+                  </p:tgtEl>
+                </p:cond>
+              </p:nextCondLst>
+            </p:seq>
+          </p:childTnLst>
+        </p:cTn>
+      </p:par>
+    </p:tnLst>
+    <p:bldLst>
+      <p:bldP spid="9" grpId="0" animBg="1"/>
+    </p:bldLst>
+  </p:timing>
+</p:sld>
+</file>
+
+<file path=ppt/slides/slide15.xml><?xml version="1.0" encoding="utf-8"?>
+<p:sld xmlns:a="http://schemas.openxmlformats.org/drawingml/2006/main" xmlns:r="http://schemas.openxmlformats.org/officeDocument/2006/relationships" xmlns:p="http://schemas.openxmlformats.org/presentationml/2006/main">
+  <p:cSld>
+    <p:spTree>
+      <p:nvGrpSpPr>
+        <p:cNvPr id="1" name=""/>
+        <p:cNvGrpSpPr/>
+        <p:nvPr/>
+      </p:nvGrpSpPr>
+      <p:grpSpPr>
+        <a:xfrm>
+          <a:off x="0" y="0"/>
+          <a:ext cx="0" cy="0"/>
+          <a:chOff x="0" y="0"/>
+          <a:chExt cx="0" cy="0"/>
+        </a:xfrm>
+      </p:grpSpPr>
+      <p:sp>
+        <p:nvSpPr>
+          <p:cNvPr id="2" name="Title 1">
+            <a:extLst>
+              <a:ext uri="{FF2B5EF4-FFF2-40B4-BE49-F238E27FC236}">
+                <a16:creationId xmlns:a16="http://schemas.microsoft.com/office/drawing/2014/main" id="{B5B319E6-B55A-4500-930B-3D8DF16BDDA6}"/>
+              </a:ext>
+            </a:extLst>
+          </p:cNvPr>
+          <p:cNvSpPr>
+            <a:spLocks noGrp="1"/>
+          </p:cNvSpPr>
+          <p:nvPr>
+            <p:ph type="title"/>
+          </p:nvPr>
+        </p:nvSpPr>
+        <p:spPr>
+          <a:xfrm>
+            <a:off x="7940227" y="1384660"/>
+            <a:ext cx="3800213" cy="695115"/>
+          </a:xfrm>
+        </p:spPr>
+        <p:txBody>
+          <a:bodyPr>
+            <a:normAutofit/>
+          </a:bodyPr>
+          <a:lstStyle/>
+          <a:p>
+            <a:r>
+              <a:rPr lang="en-US" dirty="0"/>
+              <a:t>“Is there enemy”</a:t>
+            </a:r>
+            <a:br>
+              <a:rPr lang="en-US" dirty="0"/>
+            </a:br>
+            <a:r>
+              <a:rPr lang="en-US" dirty="0"/>
+              <a:t>function</a:t>
+            </a:r>
+          </a:p>
+        </p:txBody>
+      </p:sp>
+      <p:pic>
+        <p:nvPicPr>
+          <p:cNvPr id="5" name="Picture 4">
+            <a:extLst>
+              <a:ext uri="{FF2B5EF4-FFF2-40B4-BE49-F238E27FC236}">
+                <a16:creationId xmlns:a16="http://schemas.microsoft.com/office/drawing/2014/main" id="{FF950B75-D43D-4ABD-A38F-98A181CB3DD9}"/>
+              </a:ext>
+            </a:extLst>
+          </p:cNvPr>
+          <p:cNvPicPr>
+            <a:picLocks noChangeAspect="1"/>
+          </p:cNvPicPr>
+          <p:nvPr/>
+        </p:nvPicPr>
+        <p:blipFill>
+          <a:blip r:embed="rId2">
+            <a:extLst>
+              <a:ext uri="{28A0092B-C50C-407E-A947-70E740481C1C}">
+                <a14:useLocalDpi xmlns:a14="http://schemas.microsoft.com/office/drawing/2010/main" val="0"/>
+              </a:ext>
+            </a:extLst>
+          </a:blip>
+          <a:stretch>
+            <a:fillRect/>
+          </a:stretch>
+        </p:blipFill>
+        <p:spPr>
+          <a:xfrm>
+            <a:off x="643711" y="482224"/>
+            <a:ext cx="5903727" cy="2499988"/>
+          </a:xfrm>
+          <a:prstGeom prst="rect">
+            <a:avLst/>
+          </a:prstGeom>
+        </p:spPr>
+      </p:pic>
+      <p:sp>
+        <p:nvSpPr>
+          <p:cNvPr id="8" name="Arrow: Down 7">
+            <a:extLst>
+              <a:ext uri="{FF2B5EF4-FFF2-40B4-BE49-F238E27FC236}">
+                <a16:creationId xmlns:a16="http://schemas.microsoft.com/office/drawing/2014/main" id="{6D15E8C4-5D42-43A5-AF20-E7643183AE4C}"/>
+              </a:ext>
+            </a:extLst>
+          </p:cNvPr>
+          <p:cNvSpPr/>
+          <p:nvPr/>
+        </p:nvSpPr>
+        <p:spPr>
+          <a:xfrm>
+            <a:off x="3237186" y="3085670"/>
+            <a:ext cx="641131" cy="508868"/>
+          </a:xfrm>
+          <a:prstGeom prst="downArrow">
+            <a:avLst/>
+          </a:prstGeom>
+          <a:solidFill>
+            <a:srgbClr val="FF0000"/>
+          </a:solidFill>
+          <a:ln>
+            <a:solidFill>
+              <a:schemeClr val="tx2">
+                <a:lumMod val="50000"/>
+                <a:lumOff val="50000"/>
+              </a:schemeClr>
+            </a:solidFill>
+          </a:ln>
+        </p:spPr>
+        <p:style>
+          <a:lnRef idx="2">
+            <a:schemeClr val="accent1">
+              <a:shade val="50000"/>
+            </a:schemeClr>
+          </a:lnRef>
+          <a:fillRef idx="1">
+            <a:schemeClr val="accent1"/>
+          </a:fillRef>
+          <a:effectRef idx="0">
+            <a:schemeClr val="accent1"/>
+          </a:effectRef>
+          <a:fontRef idx="minor">
+            <a:schemeClr val="lt1"/>
+          </a:fontRef>
+        </p:style>
+        <p:txBody>
+          <a:bodyPr rtlCol="0" anchor="ctr"/>
+          <a:lstStyle/>
+          <a:p>
+            <a:pPr algn="ctr"/>
+            <a:endParaRPr lang="en-US"/>
+          </a:p>
+        </p:txBody>
+      </p:sp>
+      <p:sp>
+        <p:nvSpPr>
+          <p:cNvPr id="16" name="Title 1">
+            <a:extLst>
+              <a:ext uri="{FF2B5EF4-FFF2-40B4-BE49-F238E27FC236}">
+                <a16:creationId xmlns:a16="http://schemas.microsoft.com/office/drawing/2014/main" id="{C1E9A733-DB6F-4743-8C75-A87372F20C42}"/>
+              </a:ext>
+            </a:extLst>
+          </p:cNvPr>
+          <p:cNvSpPr txBox="1">
+            <a:spLocks/>
+          </p:cNvSpPr>
+          <p:nvPr/>
+        </p:nvSpPr>
+        <p:spPr>
+          <a:xfrm>
+            <a:off x="7940226" y="4294401"/>
+            <a:ext cx="3800213" cy="1175404"/>
+          </a:xfrm>
+          <a:prstGeom prst="rect">
+            <a:avLst/>
+          </a:prstGeom>
+        </p:spPr>
+        <p:txBody>
+          <a:bodyPr vert="horz" lIns="91440" tIns="45720" rIns="91440" bIns="45720" rtlCol="0" anchor="b">
+            <a:normAutofit fontScale="97500" lnSpcReduction="10000"/>
+          </a:bodyPr>
+          <a:lstStyle>
+            <a:lvl1pPr algn="l" defTabSz="914400" rtl="0" eaLnBrk="1" latinLnBrk="0" hangingPunct="1">
+              <a:lnSpc>
+                <a:spcPct val="100000"/>
+              </a:lnSpc>
+              <a:spcBef>
+                <a:spcPct val="0"/>
+              </a:spcBef>
+              <a:buNone/>
+              <a:defRPr sz="1900" b="1" i="0" kern="1200" cap="all" spc="300" baseline="0">
+                <a:solidFill>
+                  <a:schemeClr val="accent1"/>
+                </a:solidFill>
+                <a:latin typeface="+mn-lt"/>
+                <a:ea typeface="+mj-ea"/>
+                <a:cs typeface="+mj-cs"/>
+              </a:defRPr>
+            </a:lvl1pPr>
+          </a:lstStyle>
+          <a:p>
+            <a:r>
+              <a:rPr lang="en-US" dirty="0"/>
+              <a:t>“Is there enemy”</a:t>
+            </a:r>
+            <a:br>
+              <a:rPr lang="en-US" dirty="0"/>
+            </a:br>
+            <a:r>
+              <a:rPr lang="en-US" dirty="0"/>
+              <a:t>function</a:t>
+            </a:r>
+            <a:br>
+              <a:rPr lang="en-US" dirty="0"/>
+            </a:br>
+            <a:r>
+              <a:rPr lang="en-US" dirty="0"/>
+              <a:t>with added</a:t>
+            </a:r>
+            <a:br>
+              <a:rPr lang="en-US" dirty="0"/>
+            </a:br>
+            <a:r>
+              <a:rPr lang="en-US" dirty="0"/>
+              <a:t>break</a:t>
+            </a:r>
+          </a:p>
+        </p:txBody>
+      </p:sp>
+      <p:pic>
+        <p:nvPicPr>
+          <p:cNvPr id="10" name="Picture 9">
+            <a:extLst>
+              <a:ext uri="{FF2B5EF4-FFF2-40B4-BE49-F238E27FC236}">
+                <a16:creationId xmlns:a16="http://schemas.microsoft.com/office/drawing/2014/main" id="{16FEFCC5-085F-44BB-BFC5-436B1186EEE4}"/>
+              </a:ext>
+            </a:extLst>
+          </p:cNvPr>
+          <p:cNvPicPr>
+            <a:picLocks noChangeAspect="1"/>
+          </p:cNvPicPr>
+          <p:nvPr/>
+        </p:nvPicPr>
+        <p:blipFill>
+          <a:blip r:embed="rId3">
+            <a:extLst>
+              <a:ext uri="{28A0092B-C50C-407E-A947-70E740481C1C}">
+                <a14:useLocalDpi xmlns:a14="http://schemas.microsoft.com/office/drawing/2010/main" val="0"/>
+              </a:ext>
+            </a:extLst>
+          </a:blip>
+          <a:stretch>
+            <a:fillRect/>
+          </a:stretch>
+        </p:blipFill>
+        <p:spPr>
+          <a:xfrm>
+            <a:off x="672712" y="3697996"/>
+            <a:ext cx="5874726" cy="2598029"/>
+          </a:xfrm>
+          <a:prstGeom prst="rect">
+            <a:avLst/>
+          </a:prstGeom>
+        </p:spPr>
+      </p:pic>
+      <p:cxnSp>
+        <p:nvCxnSpPr>
+          <p:cNvPr id="12" name="Straight Connector 11">
+            <a:extLst>
+              <a:ext uri="{FF2B5EF4-FFF2-40B4-BE49-F238E27FC236}">
+                <a16:creationId xmlns:a16="http://schemas.microsoft.com/office/drawing/2014/main" id="{2C1DE230-2F0C-4E44-805D-FD21D2686886}"/>
+              </a:ext>
+            </a:extLst>
+          </p:cNvPr>
+          <p:cNvCxnSpPr>
+            <a:cxnSpLocks/>
+          </p:cNvCxnSpPr>
+          <p:nvPr/>
+        </p:nvCxnSpPr>
+        <p:spPr>
+          <a:xfrm>
+            <a:off x="1960676" y="4939955"/>
+            <a:ext cx="592024" cy="0"/>
+          </a:xfrm>
+          <a:prstGeom prst="line">
+            <a:avLst/>
+          </a:prstGeom>
+          <a:ln w="19050">
+            <a:solidFill>
+              <a:srgbClr val="FF0000"/>
+            </a:solidFill>
+          </a:ln>
+        </p:spPr>
+        <p:style>
+          <a:lnRef idx="2">
+            <a:schemeClr val="accent5"/>
+          </a:lnRef>
+          <a:fillRef idx="0">
+            <a:schemeClr val="accent5"/>
+          </a:fillRef>
+          <a:effectRef idx="1">
+            <a:schemeClr val="accent5"/>
+          </a:effectRef>
+          <a:fontRef idx="minor">
+            <a:schemeClr val="tx1"/>
+          </a:fontRef>
+        </p:style>
+      </p:cxnSp>
+    </p:spTree>
+    <p:extLst>
+      <p:ext uri="{BB962C8B-B14F-4D97-AF65-F5344CB8AC3E}">
+        <p14:creationId xmlns:p14="http://schemas.microsoft.com/office/powerpoint/2010/main" val="3603614548"/>
+      </p:ext>
+    </p:extLst>
+  </p:cSld>
+  <p:clrMapOvr>
+    <a:masterClrMapping/>
+  </p:clrMapOvr>
+  <mc:AlternateContent xmlns:mc="http://schemas.openxmlformats.org/markup-compatibility/2006">
+    <mc:Choice xmlns:p14="http://schemas.microsoft.com/office/powerpoint/2010/main" Requires="p14">
+      <p:transition spd="med" p14:dur="700">
+        <p:fade/>
+      </p:transition>
+    </mc:Choice>
+    <mc:Fallback>
+      <p:transition spd="med">
+        <p:fade/>
+      </p:transition>
+    </mc:Fallback>
+  </mc:AlternateContent>
+  <p:timing>
+    <p:tnLst>
+      <p:par>
+        <p:cTn id="1" dur="indefinite" restart="never" nodeType="tmRoot">
+          <p:childTnLst>
+            <p:seq concurrent="1" nextAc="seek">
+              <p:cTn id="2" dur="indefinite" nodeType="mainSeq">
+                <p:childTnLst>
+                  <p:par>
+                    <p:cTn id="3" fill="hold">
+                      <p:stCondLst>
+                        <p:cond delay="indefinite"/>
+                      </p:stCondLst>
+                      <p:childTnLst>
+                        <p:par>
+                          <p:cTn id="4" fill="hold">
+                            <p:stCondLst>
+                              <p:cond delay="0"/>
+                            </p:stCondLst>
+                            <p:childTnLst>
+                              <p:par>
+                                <p:cTn id="5" presetID="10" presetClass="entr" presetSubtype="0" fill="hold" grpId="0" nodeType="clickEffect">
+                                  <p:stCondLst>
+                                    <p:cond delay="0"/>
+                                  </p:stCondLst>
+                                  <p:childTnLst>
+                                    <p:set>
+                                      <p:cBhvr>
+                                        <p:cTn id="6" dur="1" fill="hold">
+                                          <p:stCondLst>
+                                            <p:cond delay="0"/>
+                                          </p:stCondLst>
+                                        </p:cTn>
+                                        <p:tgtEl>
+                                          <p:spTgt spid="8"/>
+                                        </p:tgtEl>
+                                        <p:attrNameLst>
+                                          <p:attrName>style.visibility</p:attrName>
+                                        </p:attrNameLst>
+                                      </p:cBhvr>
+                                      <p:to>
+                                        <p:strVal val="visible"/>
+                                      </p:to>
+                                    </p:set>
+                                    <p:animEffect transition="in" filter="fade">
+                                      <p:cBhvr>
+                                        <p:cTn id="7" dur="500"/>
+                                        <p:tgtEl>
+                                          <p:spTgt spid="8"/>
+                                        </p:tgtEl>
+                                      </p:cBhvr>
+                                    </p:animEffect>
+                                  </p:childTnLst>
+                                </p:cTn>
+                              </p:par>
+                              <p:par>
+                                <p:cTn id="8" presetID="10" presetClass="entr" presetSubtype="0" fill="hold" grpId="0" nodeType="withEffect">
+                                  <p:stCondLst>
+                                    <p:cond delay="0"/>
+                                  </p:stCondLst>
+                                  <p:childTnLst>
+                                    <p:set>
+                                      <p:cBhvr>
+                                        <p:cTn id="9" dur="1" fill="hold">
+                                          <p:stCondLst>
+                                            <p:cond delay="0"/>
+                                          </p:stCondLst>
+                                        </p:cTn>
+                                        <p:tgtEl>
+                                          <p:spTgt spid="16"/>
+                                        </p:tgtEl>
+                                        <p:attrNameLst>
+                                          <p:attrName>style.visibility</p:attrName>
+                                        </p:attrNameLst>
+                                      </p:cBhvr>
+                                      <p:to>
+                                        <p:strVal val="visible"/>
+                                      </p:to>
+                                    </p:set>
+                                    <p:animEffect transition="in" filter="fade">
+                                      <p:cBhvr>
+                                        <p:cTn id="10" dur="500"/>
+                                        <p:tgtEl>
+                                          <p:spTgt spid="16"/>
+                                        </p:tgtEl>
+                                      </p:cBhvr>
+                                    </p:animEffect>
+                                  </p:childTnLst>
+                                </p:cTn>
+                              </p:par>
+                              <p:par>
+                                <p:cTn id="11" presetID="10" presetClass="entr" presetSubtype="0" fill="hold" nodeType="withEffect">
+                                  <p:stCondLst>
+                                    <p:cond delay="0"/>
+                                  </p:stCondLst>
+                                  <p:childTnLst>
+                                    <p:set>
+                                      <p:cBhvr>
+                                        <p:cTn id="12" dur="1" fill="hold">
+                                          <p:stCondLst>
+                                            <p:cond delay="0"/>
+                                          </p:stCondLst>
+                                        </p:cTn>
+                                        <p:tgtEl>
+                                          <p:spTgt spid="10"/>
+                                        </p:tgtEl>
+                                        <p:attrNameLst>
+                                          <p:attrName>style.visibility</p:attrName>
+                                        </p:attrNameLst>
+                                      </p:cBhvr>
+                                      <p:to>
+                                        <p:strVal val="visible"/>
+                                      </p:to>
+                                    </p:set>
+                                    <p:animEffect transition="in" filter="fade">
+                                      <p:cBhvr>
+                                        <p:cTn id="13" dur="500"/>
+                                        <p:tgtEl>
+                                          <p:spTgt spid="10"/>
+                                        </p:tgtEl>
+                                      </p:cBhvr>
+                                    </p:animEffect>
+                                  </p:childTnLst>
+                                </p:cTn>
+                              </p:par>
+                            </p:childTnLst>
+                          </p:cTn>
+                        </p:par>
+                      </p:childTnLst>
+                    </p:cTn>
+                  </p:par>
+                  <p:par>
+                    <p:cTn id="14" fill="hold">
+                      <p:stCondLst>
+                        <p:cond delay="indefinite"/>
+                      </p:stCondLst>
+                      <p:childTnLst>
+                        <p:par>
+                          <p:cTn id="15" fill="hold">
+                            <p:stCondLst>
+                              <p:cond delay="0"/>
+                            </p:stCondLst>
+                            <p:childTnLst>
+                              <p:par>
+                                <p:cTn id="16" presetID="10" presetClass="entr" presetSubtype="0" fill="hold" nodeType="clickEffect">
+                                  <p:stCondLst>
+                                    <p:cond delay="0"/>
+                                  </p:stCondLst>
+                                  <p:childTnLst>
+                                    <p:set>
+                                      <p:cBhvr>
+                                        <p:cTn id="17" dur="1" fill="hold">
+                                          <p:stCondLst>
+                                            <p:cond delay="0"/>
+                                          </p:stCondLst>
+                                        </p:cTn>
+                                        <p:tgtEl>
+                                          <p:spTgt spid="12"/>
+                                        </p:tgtEl>
+                                        <p:attrNameLst>
+                                          <p:attrName>style.visibility</p:attrName>
+                                        </p:attrNameLst>
+                                      </p:cBhvr>
+                                      <p:to>
+                                        <p:strVal val="visible"/>
+                                      </p:to>
+                                    </p:set>
+                                    <p:animEffect transition="in" filter="fade">
+                                      <p:cBhvr>
+                                        <p:cTn id="18" dur="500"/>
+                                        <p:tgtEl>
+                                          <p:spTgt spid="12"/>
+                                        </p:tgtEl>
+                                      </p:cBhvr>
+                                    </p:animEffect>
+                                  </p:childTnLst>
+                                </p:cTn>
+                              </p:par>
+                            </p:childTnLst>
+                          </p:cTn>
+                        </p:par>
+                      </p:childTnLst>
+                    </p:cTn>
+                  </p:par>
+                </p:childTnLst>
+              </p:cTn>
+              <p:prevCondLst>
+                <p:cond evt="onPrev" delay="0">
+                  <p:tgtEl>
+                    <p:sldTgt/>
+                  </p:tgtEl>
+                </p:cond>
+              </p:prevCondLst>
+              <p:nextCondLst>
+                <p:cond evt="onNext" delay="0">
+                  <p:tgtEl>
+                    <p:sldTgt/>
+                  </p:tgtEl>
+                </p:cond>
+              </p:nextCondLst>
+            </p:seq>
+          </p:childTnLst>
+        </p:cTn>
+      </p:par>
+    </p:tnLst>
+    <p:bldLst>
+      <p:bldP spid="8" grpId="0" animBg="1"/>
+      <p:bldP spid="16" grpId="0"/>
+    </p:bldLst>
+  </p:timing>
+</p:sld>
+</file>
+
+<file path=ppt/slides/slide16.xml><?xml version="1.0" encoding="utf-8"?>
 <p:sld xmlns:a="http://schemas.openxmlformats.org/drawingml/2006/main" xmlns:r="http://schemas.openxmlformats.org/officeDocument/2006/relationships" xmlns:p="http://schemas.openxmlformats.org/presentationml/2006/main">
   <p:cSld>
     <p:bg>
@@ -10427,7 +11792,7 @@
 </p:sld>
 </file>
 
-<file path=ppt/slides/slide14.xml><?xml version="1.0" encoding="utf-8"?>
+<file path=ppt/slides/slide17.xml><?xml version="1.0" encoding="utf-8"?>
 <p:sld xmlns:a="http://schemas.openxmlformats.org/drawingml/2006/main" xmlns:r="http://schemas.openxmlformats.org/officeDocument/2006/relationships" xmlns:p="http://schemas.openxmlformats.org/presentationml/2006/main">
   <p:cSld>
     <p:spTree>
@@ -12084,7 +13449,7 @@
     <p:bg>
       <p:bgPr>
         <a:blipFill dpi="0" rotWithShape="1">
-          <a:blip r:embed="rId2">
+          <a:blip r:embed="rId3">
             <a:lum/>
           </a:blip>
           <a:srcRect/>
@@ -12403,13 +13768,13 @@
   <p:clrMapOvr>
     <a:masterClrMapping/>
   </p:clrMapOvr>
-  <mc:AlternateContent xmlns:mc="http://schemas.openxmlformats.org/markup-compatibility/2006">
-    <mc:Choice xmlns:p14="http://schemas.microsoft.com/office/powerpoint/2010/main" Requires="p14">
+  <mc:AlternateContent xmlns:mc="http://schemas.openxmlformats.org/markup-compatibility/2006" xmlns:p14="http://schemas.microsoft.com/office/powerpoint/2010/main">
+    <mc:Choice Requires="p14">
       <p:transition spd="med" p14:dur="700">
         <p:fade/>
       </p:transition>
     </mc:Choice>
-    <mc:Fallback>
+    <mc:Fallback xmlns="">
       <p:transition spd="med">
         <p:fade/>
       </p:transition>
@@ -12817,13 +14182,13 @@
   <p:clrMapOvr>
     <a:masterClrMapping/>
   </p:clrMapOvr>
-  <mc:AlternateContent xmlns:mc="http://schemas.openxmlformats.org/markup-compatibility/2006">
-    <mc:Choice xmlns:p14="http://schemas.microsoft.com/office/powerpoint/2010/main" Requires="p14">
+  <mc:AlternateContent xmlns:mc="http://schemas.openxmlformats.org/markup-compatibility/2006" xmlns:p14="http://schemas.microsoft.com/office/powerpoint/2010/main">
+    <mc:Choice Requires="p14">
       <p:transition spd="med" p14:dur="700">
         <p:fade/>
       </p:transition>
     </mc:Choice>
-    <mc:Fallback>
+    <mc:Fallback xmlns="">
       <p:transition spd="med">
         <p:fade/>
       </p:transition>
@@ -13369,13 +14734,13 @@
   <p:clrMapOvr>
     <a:masterClrMapping/>
   </p:clrMapOvr>
-  <mc:AlternateContent xmlns:mc="http://schemas.openxmlformats.org/markup-compatibility/2006">
-    <mc:Choice xmlns:p14="http://schemas.microsoft.com/office/powerpoint/2010/main" Requires="p14">
+  <mc:AlternateContent xmlns:mc="http://schemas.openxmlformats.org/markup-compatibility/2006" xmlns:p14="http://schemas.microsoft.com/office/powerpoint/2010/main">
+    <mc:Choice Requires="p14">
       <p:transition spd="med" p14:dur="700">
         <p:fade/>
       </p:transition>
     </mc:Choice>
-    <mc:Fallback>
+    <mc:Fallback xmlns="">
       <p:transition spd="med">
         <p:fade/>
       </p:transition>
@@ -13891,13 +15256,13 @@
   <p:clrMapOvr>
     <a:masterClrMapping/>
   </p:clrMapOvr>
-  <mc:AlternateContent xmlns:mc="http://schemas.openxmlformats.org/markup-compatibility/2006">
-    <mc:Choice xmlns:p14="http://schemas.microsoft.com/office/powerpoint/2010/main" Requires="p14">
+  <mc:AlternateContent xmlns:mc="http://schemas.openxmlformats.org/markup-compatibility/2006" xmlns:p14="http://schemas.microsoft.com/office/powerpoint/2010/main">
+    <mc:Choice Requires="p14">
       <p:transition spd="med" p14:dur="700">
         <p:fade/>
       </p:transition>
     </mc:Choice>
-    <mc:Fallback>
+    <mc:Fallback xmlns="">
       <p:transition spd="med">
         <p:fade/>
       </p:transition>
@@ -15113,15 +16478,6 @@
 </file>
 
 <file path=customXml/item2.xml><?xml version="1.0" encoding="utf-8"?>
-<?mso-contentType ?>
-<FormTemplates xmlns="http://schemas.microsoft.com/sharepoint/v3/contenttype/forms">
-  <Display>DocumentLibraryForm</Display>
-  <Edit>DocumentLibraryForm</Edit>
-  <New>DocumentLibraryForm</New>
-</FormTemplates>
-</file>
-
-<file path=customXml/item3.xml><?xml version="1.0" encoding="utf-8"?>
 <ct:contentTypeSchema xmlns:ct="http://schemas.microsoft.com/office/2006/metadata/contentType" xmlns:ma="http://schemas.microsoft.com/office/2006/metadata/properties/metaAttributes" ct:_="" ma:_="" ma:contentTypeName="Document" ma:contentTypeID="0x01010079F111ED35F8CC479449609E8A0923A6" ma:contentTypeVersion="11" ma:contentTypeDescription="Create a new document." ma:contentTypeScope="" ma:versionID="96291512c1ee715ab617f4c07df79fc1">
   <xsd:schema xmlns:xsd="http://www.w3.org/2001/XMLSchema" xmlns:xs="http://www.w3.org/2001/XMLSchema" xmlns:p="http://schemas.microsoft.com/office/2006/metadata/properties" xmlns:ns2="71af3243-3dd4-4a8d-8c0d-dd76da1f02a5" xmlns:ns3="16c05727-aa75-4e4a-9b5f-8a80a1165891" targetNamespace="http://schemas.microsoft.com/office/2006/metadata/properties" ma:root="true" ma:fieldsID="8256c27c40ca5c40ce1cf6c44f0205df" ns2:_="" ns3:_="">
     <xsd:import namespace="71af3243-3dd4-4a8d-8c0d-dd76da1f02a5"/>
@@ -15332,6 +16688,15 @@
 </ct:contentTypeSchema>
 </file>
 
+<file path=customXml/item3.xml><?xml version="1.0" encoding="utf-8"?>
+<?mso-contentType ?>
+<FormTemplates xmlns="http://schemas.microsoft.com/sharepoint/v3/contenttype/forms">
+  <Display>DocumentLibraryForm</Display>
+  <Edit>DocumentLibraryForm</Edit>
+  <New>DocumentLibraryForm</New>
+</FormTemplates>
+</file>
+
 <file path=customXml/itemProps1.xml><?xml version="1.0" encoding="utf-8"?>
 <ds:datastoreItem xmlns:ds="http://schemas.openxmlformats.org/officeDocument/2006/customXml" ds:itemID="{BDB3E54F-9BB9-4821-81E3-A4EFEC7BD0AD}">
   <ds:schemaRefs>
@@ -15343,14 +16708,6 @@
 </file>
 
 <file path=customXml/itemProps2.xml><?xml version="1.0" encoding="utf-8"?>
-<ds:datastoreItem xmlns:ds="http://schemas.openxmlformats.org/officeDocument/2006/customXml" ds:itemID="{52D0167F-E486-4F9B-83E2-993954E11F03}">
-  <ds:schemaRefs>
-    <ds:schemaRef ds:uri="http://schemas.microsoft.com/sharepoint/v3/contenttype/forms"/>
-  </ds:schemaRefs>
-</ds:datastoreItem>
-</file>
-
-<file path=customXml/itemProps3.xml><?xml version="1.0" encoding="utf-8"?>
 <ds:datastoreItem xmlns:ds="http://schemas.openxmlformats.org/officeDocument/2006/customXml" ds:itemID="{15A714DE-2D72-4B69-B5D2-B9FD4274177E}">
   <ds:schemaRefs>
     <ds:schemaRef ds:uri="http://schemas.microsoft.com/office/2006/metadata/contentType"/>
@@ -15367,4 +16724,12 @@
     <ds:schemaRef ds:uri="http://schemas.microsoft.com/internal/obd"/>
   </ds:schemaRefs>
 </ds:datastoreItem>
+</file>
+
+<file path=customXml/itemProps3.xml><?xml version="1.0" encoding="utf-8"?>
+<ds:datastoreItem xmlns:ds="http://schemas.openxmlformats.org/officeDocument/2006/customXml" ds:itemID="{52D0167F-E486-4F9B-83E2-993954E11F03}">
+  <ds:schemaRefs>
+    <ds:schemaRef ds:uri="http://schemas.microsoft.com/sharepoint/v3/contenttype/forms"/>
+  </ds:schemaRefs>
+</ds:datastoreItem>
 </file>